--- a/slides/wss22.pptx
+++ b/slides/wss22.pptx
@@ -104,6 +104,11 @@
       </a:defRPr>
     </a:lvl9pPr>
   </p:defaultTextStyle>
+  <p:extLst>
+    <p:ext uri="{EFAFB233-063F-42B5-8137-9DF3F51BA10A}">
+      <p15:sldGuideLst xmlns:p15="http://schemas.microsoft.com/office/powerpoint/2012/main"/>
+    </p:ext>
+  </p:extLst>
 </p:presentation>
 </file>
 
@@ -3915,8 +3920,8 @@
         </p:nvSpPr>
         <p:spPr>
           <a:xfrm>
-            <a:off x="9039074" y="5681252"/>
-            <a:ext cx="2731582" cy="923330"/>
+            <a:off x="8994767" y="5681252"/>
+            <a:ext cx="2820196" cy="923330"/>
           </a:xfrm>
           <a:prstGeom prst="rect">
             <a:avLst/>
@@ -3955,7 +3960,7 @@
                 <a:latin typeface="Calibri" panose="020F0502020204030204" pitchFamily="34" charset="0"/>
                 <a:cs typeface="Calibri" panose="020F0502020204030204" pitchFamily="34" charset="0"/>
               </a:rPr>
-              <a:t>http://</a:t>
+              <a:t>https://</a:t>
             </a:r>
             <a:r>
               <a:rPr lang="en-US" dirty="0" err="1">
@@ -4050,8 +4055,8 @@
         </p:nvSpPr>
         <p:spPr>
           <a:xfrm>
-            <a:off x="7074974" y="2533493"/>
-            <a:ext cx="3985065" cy="923330"/>
+            <a:off x="6956769" y="2533493"/>
+            <a:ext cx="4221477" cy="923330"/>
           </a:xfrm>
           <a:prstGeom prst="rect">
             <a:avLst/>
@@ -4070,7 +4075,7 @@
                 <a:latin typeface="Calibri" panose="020F0502020204030204" pitchFamily="34" charset="0"/>
                 <a:cs typeface="Calibri" panose="020F0502020204030204" pitchFamily="34" charset="0"/>
               </a:rPr>
-              <a:t>Mohit Aron. </a:t>
+              <a:t>Mohit Aron</a:t>
             </a:r>
           </a:p>
           <a:p>
@@ -4090,7 +4095,7 @@
                 <a:latin typeface="Calibri" panose="020F0502020204030204" pitchFamily="34" charset="0"/>
                 <a:cs typeface="Calibri" panose="020F0502020204030204" pitchFamily="34" charset="0"/>
               </a:rPr>
-              <a:t>Inaugural talk: Entrepreneurship journey</a:t>
+              <a:t>Inaugural talk: The Entrepreneurial Journey</a:t>
             </a:r>
           </a:p>
         </p:txBody>

--- a/slides/wss22.pptx
+++ b/slides/wss22.pptx
@@ -3494,7 +3494,7 @@
         <p:spPr>
           <a:xfrm>
             <a:off x="1778876" y="1150186"/>
-            <a:ext cx="3878819" cy="369332"/>
+            <a:ext cx="4135299" cy="369332"/>
           </a:xfrm>
           <a:prstGeom prst="rect">
             <a:avLst/>
@@ -3512,7 +3512,7 @@
                 <a:latin typeface="Calibri" panose="020F0502020204030204" pitchFamily="34" charset="0"/>
                 <a:cs typeface="Calibri" panose="020F0502020204030204" pitchFamily="34" charset="0"/>
               </a:rPr>
-              <a:t>Supported by Mohit Aron Endowment</a:t>
+              <a:t>Supported by the Mohit Aron Endowment</a:t>
             </a:r>
           </a:p>
         </p:txBody>
@@ -3564,7 +3564,35 @@
                 <a:effectLst/>
                 <a:latin typeface="-apple-system"/>
               </a:rPr>
-              <a:t>: Dec 4th-9</a:t>
+              <a:t>: Dec </a:t>
+            </a:r>
+            <a:r>
+              <a:rPr lang="en-IN" dirty="0">
+                <a:solidFill>
+                  <a:srgbClr val="111111"/>
+                </a:solidFill>
+                <a:latin typeface="-apple-system"/>
+              </a:rPr>
+              <a:t>4</a:t>
+            </a:r>
+            <a:r>
+              <a:rPr lang="en-IN" baseline="30000" dirty="0">
+                <a:solidFill>
+                  <a:srgbClr val="111111"/>
+                </a:solidFill>
+                <a:latin typeface="-apple-system"/>
+              </a:rPr>
+              <a:t>th</a:t>
+            </a:r>
+            <a:r>
+              <a:rPr lang="en-IN" b="0" i="0" dirty="0">
+                <a:solidFill>
+                  <a:srgbClr val="111111"/>
+                </a:solidFill>
+                <a:effectLst/>
+                <a:latin typeface="-apple-system"/>
+              </a:rPr>
+              <a:t>-9</a:t>
             </a:r>
             <a:r>
               <a:rPr lang="en-IN" b="0" i="0" baseline="30000" dirty="0">
@@ -3724,7 +3752,7 @@
         </p:blipFill>
         <p:spPr bwMode="auto">
           <a:xfrm>
-            <a:off x="6784990" y="3914027"/>
+            <a:off x="6784990" y="3663015"/>
             <a:ext cx="1624257" cy="1622985"/>
           </a:xfrm>
           <a:prstGeom prst="ellipse">
@@ -3786,7 +3814,7 @@
         </p:blipFill>
         <p:spPr bwMode="auto">
           <a:xfrm>
-            <a:off x="9499517" y="3914026"/>
+            <a:off x="9499517" y="3663014"/>
             <a:ext cx="1622985" cy="1622985"/>
           </a:xfrm>
           <a:prstGeom prst="ellipse">
@@ -3833,8 +3861,8 @@
         </p:nvSpPr>
         <p:spPr>
           <a:xfrm>
-            <a:off x="6320711" y="5681252"/>
-            <a:ext cx="2552815" cy="923330"/>
+            <a:off x="6320711" y="5430240"/>
+            <a:ext cx="2552814" cy="1200329"/>
           </a:xfrm>
           <a:prstGeom prst="rect">
             <a:avLst/>
@@ -3849,13 +3877,6 @@
           <a:p>
             <a:pPr algn="ctr"/>
             <a:r>
-              <a:rPr lang="en-US" dirty="0">
-                <a:latin typeface="Calibri" panose="020F0502020204030204" pitchFamily="34" charset="0"/>
-                <a:cs typeface="Calibri" panose="020F0502020204030204" pitchFamily="34" charset="0"/>
-              </a:rPr>
-              <a:t>Prof. </a:t>
-            </a:r>
-            <a:r>
               <a:rPr lang="en-US" dirty="0" err="1">
                 <a:latin typeface="Calibri" panose="020F0502020204030204" pitchFamily="34" charset="0"/>
                 <a:cs typeface="Calibri" panose="020F0502020204030204" pitchFamily="34" charset="0"/>
@@ -3877,6 +3898,16 @@
                 <a:latin typeface="Calibri" panose="020F0502020204030204" pitchFamily="34" charset="0"/>
                 <a:cs typeface="Calibri" panose="020F0502020204030204" pitchFamily="34" charset="0"/>
               </a:rPr>
+              <a:t>Faculty, CSE IITD</a:t>
+            </a:r>
+          </a:p>
+          <a:p>
+            <a:pPr algn="ctr"/>
+            <a:r>
+              <a:rPr lang="en-US" dirty="0">
+                <a:latin typeface="Calibri" panose="020F0502020204030204" pitchFamily="34" charset="0"/>
+                <a:cs typeface="Calibri" panose="020F0502020204030204" pitchFamily="34" charset="0"/>
+              </a:rPr>
               <a:t>Topic: Cybersecurity</a:t>
             </a:r>
           </a:p>
@@ -3920,8 +3951,8 @@
         </p:nvSpPr>
         <p:spPr>
           <a:xfrm>
-            <a:off x="8994767" y="5681252"/>
-            <a:ext cx="2820196" cy="923330"/>
+            <a:off x="8994767" y="5430240"/>
+            <a:ext cx="2820195" cy="1200329"/>
           </a:xfrm>
           <a:prstGeom prst="rect">
             <a:avLst/>
@@ -3940,7 +3971,17 @@
                 <a:latin typeface="Calibri" panose="020F0502020204030204" pitchFamily="34" charset="0"/>
                 <a:cs typeface="Calibri" panose="020F0502020204030204" pitchFamily="34" charset="0"/>
               </a:rPr>
-              <a:t>Prof. Abhilash Jindal</a:t>
+              <a:t>Abhilash Jindal</a:t>
+            </a:r>
+          </a:p>
+          <a:p>
+            <a:pPr algn="ctr"/>
+            <a:r>
+              <a:rPr lang="en-US" dirty="0">
+                <a:latin typeface="Calibri" panose="020F0502020204030204" pitchFamily="34" charset="0"/>
+                <a:cs typeface="Calibri" panose="020F0502020204030204" pitchFamily="34" charset="0"/>
+              </a:rPr>
+              <a:t>Faculty, CSE IITD</a:t>
             </a:r>
           </a:p>
           <a:p>
@@ -4085,7 +4126,7 @@
                 <a:latin typeface="Calibri" panose="020F0502020204030204" pitchFamily="34" charset="0"/>
                 <a:cs typeface="Calibri" panose="020F0502020204030204" pitchFamily="34" charset="0"/>
               </a:rPr>
-              <a:t>Founder Cohesity. Founder Nutanix.</a:t>
+              <a:t>Founder Cohesity. Co-founder Nutanix.</a:t>
             </a:r>
           </a:p>
           <a:p>

--- a/slides/wss22.pptx
+++ b/slides/wss22.pptx
@@ -3564,16 +3564,7 @@
                 <a:effectLst/>
                 <a:latin typeface="-apple-system"/>
               </a:rPr>
-              <a:t>: Dec </a:t>
-            </a:r>
-            <a:r>
-              <a:rPr lang="en-IN" dirty="0">
-                <a:solidFill>
-                  <a:srgbClr val="111111"/>
-                </a:solidFill>
-                <a:latin typeface="-apple-system"/>
-              </a:rPr>
-              <a:t>4</a:t>
+              <a:t>: Dec 5</a:t>
             </a:r>
             <a:r>
               <a:rPr lang="en-IN" baseline="30000" dirty="0">
